--- a/aspnetcore/slides/12_client.pptx
+++ b/aspnetcore/slides/12_client.pptx
@@ -5,10 +5,10 @@
     <p:sldMasterId id="2147483772" r:id="rId1"/>
   </p:sldMasterIdLst>
   <p:notesMasterIdLst>
-    <p:notesMasterId r:id="rId10"/>
+    <p:notesMasterId r:id="rId11"/>
   </p:notesMasterIdLst>
   <p:handoutMasterIdLst>
-    <p:handoutMasterId r:id="rId11"/>
+    <p:handoutMasterId r:id="rId12"/>
   </p:handoutMasterIdLst>
   <p:sldIdLst>
     <p:sldId id="327" r:id="rId2"/>
@@ -18,7 +18,8 @@
     <p:sldId id="353" r:id="rId6"/>
     <p:sldId id="354" r:id="rId7"/>
     <p:sldId id="355" r:id="rId8"/>
-    <p:sldId id="345" r:id="rId9"/>
+    <p:sldId id="357" r:id="rId9"/>
+    <p:sldId id="345" r:id="rId10"/>
   </p:sldIdLst>
   <p:sldSz cx="9144000" cy="6858000" type="screen4x3"/>
   <p:notesSz cx="7302500" cy="9588500"/>
@@ -271,7 +272,7 @@
               <a:pPr>
                 <a:defRPr/>
               </a:pPr>
-              <a:t>11/6/2018</a:t>
+              <a:t>9/5/2019</a:t>
             </a:fld>
             <a:endParaRPr lang="en-US"/>
           </a:p>
@@ -3384,6 +3385,168 @@
       </p:grpSpPr>
       <p:sp>
         <p:nvSpPr>
+          <p:cNvPr id="2" name="Title 1">
+            <a:extLst>
+              <a:ext uri="{FF2B5EF4-FFF2-40B4-BE49-F238E27FC236}">
+                <a16:creationId xmlns:a16="http://schemas.microsoft.com/office/drawing/2014/main" id="{8A578E14-3B40-40BE-8929-E6CB890C9E99}"/>
+              </a:ext>
+            </a:extLst>
+          </p:cNvPr>
+          <p:cNvSpPr>
+            <a:spLocks noGrp="1"/>
+          </p:cNvSpPr>
+          <p:nvPr>
+            <p:ph type="title"/>
+          </p:nvPr>
+        </p:nvSpPr>
+        <p:spPr/>
+        <p:txBody>
+          <a:bodyPr/>
+          <a:lstStyle/>
+          <a:p>
+            <a:r>
+              <a:rPr lang="en-US" dirty="0" err="1"/>
+              <a:t>Blazor</a:t>
+            </a:r>
+            <a:endParaRPr lang="en-US" dirty="0"/>
+          </a:p>
+        </p:txBody>
+      </p:sp>
+      <p:sp>
+        <p:nvSpPr>
+          <p:cNvPr id="3" name="Text Placeholder 2">
+            <a:extLst>
+              <a:ext uri="{FF2B5EF4-FFF2-40B4-BE49-F238E27FC236}">
+                <a16:creationId xmlns:a16="http://schemas.microsoft.com/office/drawing/2014/main" id="{28F23F60-3984-4AD8-BDE1-1A290D54B6D4}"/>
+              </a:ext>
+            </a:extLst>
+          </p:cNvPr>
+          <p:cNvSpPr>
+            <a:spLocks noGrp="1"/>
+          </p:cNvSpPr>
+          <p:nvPr>
+            <p:ph type="body" idx="1"/>
+          </p:nvPr>
+        </p:nvSpPr>
+        <p:spPr/>
+        <p:txBody>
+          <a:bodyPr/>
+          <a:lstStyle/>
+          <a:p>
+            <a:r>
+              <a:rPr lang="en-US" dirty="0"/>
+              <a:t>Full Stack C# Programming</a:t>
+            </a:r>
+          </a:p>
+        </p:txBody>
+      </p:sp>
+      <p:pic>
+        <p:nvPicPr>
+          <p:cNvPr id="5" name="Picture 4" descr="A screenshot of a cell phone&#10;&#10;Description automatically generated">
+            <a:extLst>
+              <a:ext uri="{FF2B5EF4-FFF2-40B4-BE49-F238E27FC236}">
+                <a16:creationId xmlns:a16="http://schemas.microsoft.com/office/drawing/2014/main" id="{E2CC8264-88BE-447C-AB0B-8AEA15406552}"/>
+              </a:ext>
+            </a:extLst>
+          </p:cNvPr>
+          <p:cNvPicPr>
+            <a:picLocks noChangeAspect="1"/>
+          </p:cNvPicPr>
+          <p:nvPr/>
+        </p:nvPicPr>
+        <p:blipFill>
+          <a:blip r:embed="rId2">
+            <a:extLst>
+              <a:ext uri="{28A0092B-C50C-407E-A947-70E740481C1C}">
+                <a14:useLocalDpi xmlns:a14="http://schemas.microsoft.com/office/drawing/2010/main" val="0"/>
+              </a:ext>
+            </a:extLst>
+          </a:blip>
+          <a:stretch>
+            <a:fillRect/>
+          </a:stretch>
+        </p:blipFill>
+        <p:spPr>
+          <a:xfrm>
+            <a:off x="990600" y="2286000"/>
+            <a:ext cx="3077805" cy="2593873"/>
+          </a:xfrm>
+          <a:prstGeom prst="rect">
+            <a:avLst/>
+          </a:prstGeom>
+        </p:spPr>
+      </p:pic>
+      <p:pic>
+        <p:nvPicPr>
+          <p:cNvPr id="7" name="Picture 6" descr="A screenshot of a cell phone&#10;&#10;Description automatically generated">
+            <a:extLst>
+              <a:ext uri="{FF2B5EF4-FFF2-40B4-BE49-F238E27FC236}">
+                <a16:creationId xmlns:a16="http://schemas.microsoft.com/office/drawing/2014/main" id="{5791E97F-905F-46FB-96A5-D5ED4F26C11E}"/>
+              </a:ext>
+            </a:extLst>
+          </p:cNvPr>
+          <p:cNvPicPr>
+            <a:picLocks noChangeAspect="1"/>
+          </p:cNvPicPr>
+          <p:nvPr/>
+        </p:nvPicPr>
+        <p:blipFill>
+          <a:blip r:embed="rId3">
+            <a:extLst>
+              <a:ext uri="{28A0092B-C50C-407E-A947-70E740481C1C}">
+                <a14:useLocalDpi xmlns:a14="http://schemas.microsoft.com/office/drawing/2010/main" val="0"/>
+              </a:ext>
+            </a:extLst>
+          </a:blip>
+          <a:stretch>
+            <a:fillRect/>
+          </a:stretch>
+        </p:blipFill>
+        <p:spPr>
+          <a:xfrm>
+            <a:off x="4273013" y="2289074"/>
+            <a:ext cx="4103739" cy="2600325"/>
+          </a:xfrm>
+          <a:prstGeom prst="rect">
+            <a:avLst/>
+          </a:prstGeom>
+        </p:spPr>
+      </p:pic>
+    </p:spTree>
+    <p:extLst>
+      <p:ext uri="{BB962C8B-B14F-4D97-AF65-F5344CB8AC3E}">
+        <p14:creationId xmlns:p14="http://schemas.microsoft.com/office/powerpoint/2010/main" val="2512103193"/>
+      </p:ext>
+    </p:extLst>
+  </p:cSld>
+  <p:clrMapOvr>
+    <a:masterClrMapping/>
+  </p:clrMapOvr>
+  <p:transition>
+    <p:fade/>
+  </p:transition>
+</p:sld>
+</file>
+
+<file path=ppt/slides/slide9.xml><?xml version="1.0" encoding="utf-8"?>
+<p:sld xmlns:a="http://schemas.openxmlformats.org/drawingml/2006/main" xmlns:r="http://schemas.openxmlformats.org/officeDocument/2006/relationships" xmlns:p="http://schemas.openxmlformats.org/presentationml/2006/main">
+  <p:cSld>
+    <p:spTree>
+      <p:nvGrpSpPr>
+        <p:cNvPr id="1" name=""/>
+        <p:cNvGrpSpPr/>
+        <p:nvPr/>
+      </p:nvGrpSpPr>
+      <p:grpSpPr>
+        <a:xfrm>
+          <a:off x="0" y="0"/>
+          <a:ext cx="0" cy="0"/>
+          <a:chOff x="0" y="0"/>
+          <a:chExt cx="0" cy="0"/>
+        </a:xfrm>
+      </p:grpSpPr>
+      <p:sp>
+        <p:nvSpPr>
           <p:cNvPr id="2" name="Title 1"/>
           <p:cNvSpPr>
             <a:spLocks noGrp="1"/>
@@ -3406,22 +3569,34 @@
       </p:sp>
       <p:pic>
         <p:nvPicPr>
-          <p:cNvPr id="5" name="Picture 4"/>
+          <p:cNvPr id="4" name="Picture 3" descr="A screenshot of a cell phone&#10;&#10;Description automatically generated">
+            <a:extLst>
+              <a:ext uri="{FF2B5EF4-FFF2-40B4-BE49-F238E27FC236}">
+                <a16:creationId xmlns:a16="http://schemas.microsoft.com/office/drawing/2014/main" id="{1763989E-7697-45BD-A481-28DDF8FB4ED8}"/>
+              </a:ext>
+            </a:extLst>
+          </p:cNvPr>
           <p:cNvPicPr>
             <a:picLocks noChangeAspect="1"/>
           </p:cNvPicPr>
           <p:nvPr/>
         </p:nvPicPr>
         <p:blipFill>
-          <a:blip r:embed="rId2"/>
+          <a:blip r:embed="rId2">
+            <a:extLst>
+              <a:ext uri="{28A0092B-C50C-407E-A947-70E740481C1C}">
+                <a14:useLocalDpi xmlns:a14="http://schemas.microsoft.com/office/drawing/2010/main" val="0"/>
+              </a:ext>
+            </a:extLst>
+          </a:blip>
           <a:stretch>
             <a:fillRect/>
           </a:stretch>
         </p:blipFill>
         <p:spPr>
           <a:xfrm>
-            <a:off x="404812" y="1219200"/>
-            <a:ext cx="8334375" cy="4191000"/>
+            <a:off x="1859507" y="1371600"/>
+            <a:ext cx="5424985" cy="4572000"/>
           </a:xfrm>
           <a:prstGeom prst="rect">
             <a:avLst/>
